--- a/Badges/Digital Explorer Badges.pptx
+++ b/Badges/Digital Explorer Badges.pptx
@@ -213,6 +213,50 @@
 </p:presentation>
 </file>
 
+<file path=ppt/changesInfos/changesInfo1.xml><?xml version="1.0" encoding="utf-8"?>
+<pc:chgInfo xmlns:a="http://schemas.openxmlformats.org/drawingml/2006/main" xmlns:r="http://schemas.openxmlformats.org/officeDocument/2006/relationships" xmlns:ac="http://schemas.microsoft.com/office/drawing/2013/main/command" xmlns:pc="http://schemas.microsoft.com/office/powerpoint/2013/main/command">
+  <pc:docChgLst>
+    <pc:chgData name="David Stevens" userId="b6815b1ecc207c78" providerId="LiveId" clId="{92F79DC4-295C-419E-998B-5F1C8597ADC1}"/>
+    <pc:docChg chg="modSld">
+      <pc:chgData name="David Stevens" userId="b6815b1ecc207c78" providerId="LiveId" clId="{92F79DC4-295C-419E-998B-5F1C8597ADC1}" dt="2018-05-17T09:38:48.310" v="2" actId="1076"/>
+      <pc:docMkLst>
+        <pc:docMk/>
+      </pc:docMkLst>
+      <pc:sldChg chg="modSp">
+        <pc:chgData name="David Stevens" userId="b6815b1ecc207c78" providerId="LiveId" clId="{92F79DC4-295C-419E-998B-5F1C8597ADC1}" dt="2018-05-17T09:36:09.317" v="1" actId="1076"/>
+        <pc:sldMkLst>
+          <pc:docMk/>
+          <pc:sldMk cId="1264948328" sldId="260"/>
+        </pc:sldMkLst>
+        <pc:picChg chg="mod">
+          <ac:chgData name="David Stevens" userId="b6815b1ecc207c78" providerId="LiveId" clId="{92F79DC4-295C-419E-998B-5F1C8597ADC1}" dt="2018-05-17T09:36:09.317" v="1" actId="1076"/>
+          <ac:picMkLst>
+            <pc:docMk/>
+            <pc:sldMk cId="1264948328" sldId="260"/>
+            <ac:picMk id="9" creationId="{74D66916-5977-4A02-A7B9-317728A08DB3}"/>
+          </ac:picMkLst>
+        </pc:picChg>
+      </pc:sldChg>
+      <pc:sldChg chg="modSp">
+        <pc:chgData name="David Stevens" userId="b6815b1ecc207c78" providerId="LiveId" clId="{92F79DC4-295C-419E-998B-5F1C8597ADC1}" dt="2018-05-17T09:38:48.310" v="2" actId="1076"/>
+        <pc:sldMkLst>
+          <pc:docMk/>
+          <pc:sldMk cId="2935416838" sldId="320"/>
+        </pc:sldMkLst>
+        <pc:grpChg chg="mod">
+          <ac:chgData name="David Stevens" userId="b6815b1ecc207c78" providerId="LiveId" clId="{92F79DC4-295C-419E-998B-5F1C8597ADC1}" dt="2018-05-17T09:38:48.310" v="2" actId="1076"/>
+          <ac:grpSpMkLst>
+            <pc:docMk/>
+            <pc:sldMk cId="2935416838" sldId="320"/>
+            <ac:grpSpMk id="45" creationId="{631ECF51-9BA7-4585-A80C-4CF7AF0FF284}"/>
+          </ac:grpSpMkLst>
+        </pc:grpChg>
+      </pc:sldChg>
+    </pc:docChg>
+  </pc:docChgLst>
+</pc:chgInfo>
+</file>
+
 <file path=ppt/handoutMasters/handoutMaster1.xml><?xml version="1.0" encoding="utf-8"?>
 <p:handoutMaster xmlns:a="http://schemas.openxmlformats.org/drawingml/2006/main" xmlns:r="http://schemas.openxmlformats.org/officeDocument/2006/relationships" xmlns:p="http://schemas.openxmlformats.org/presentationml/2006/main">
   <p:cSld>
@@ -301,7 +345,7 @@
                 <a:latin typeface="Arial"/>
                 <a:cs typeface="Arial"/>
               </a:rPr>
-              <a:t>5/3/2018</a:t>
+              <a:t>5/17/2018</a:t>
             </a:fld>
             <a:endParaRPr lang="en-US">
               <a:latin typeface="Arial"/>
@@ -486,7 +530,7 @@
             <a:fld id="{73B26A0F-F4D6-9B4F-A87B-D8948CDE3BB4}" type="datetimeFigureOut">
               <a:rPr lang="en-US" smtClean="0"/>
               <a:pPr/>
-              <a:t>5/3/2018</a:t>
+              <a:t>5/17/2018</a:t>
             </a:fld>
             <a:endParaRPr lang="en-US"/>
           </a:p>
@@ -2130,7 +2174,7 @@
                   <a:spcPts val="0"/>
                 </a:spcBef>
               </a:pPr>
-              <a:t>May 3, 2018</a:t>
+              <a:t>May 17, 2018</a:t>
             </a:fld>
             <a:endParaRPr lang="en-US" sz="1400" b="0" dirty="0">
               <a:solidFill>
@@ -3933,7 +3977,7 @@
                   <a:spcPct val="50000"/>
                 </a:spcBef>
               </a:pPr>
-              <a:t>May 3, 2018</a:t>
+              <a:t>May 17, 2018</a:t>
             </a:fld>
             <a:endParaRPr lang="en-US" sz="1100" b="0" dirty="0">
               <a:solidFill>
@@ -5686,7 +5730,7 @@
                   <a:spcPct val="50000"/>
                 </a:spcBef>
               </a:pPr>
-              <a:t>May 3, 2018</a:t>
+              <a:t>May 17, 2018</a:t>
             </a:fld>
             <a:endParaRPr lang="en-US" sz="1100" b="0" dirty="0">
               <a:solidFill>
@@ -7157,7 +7201,7 @@
                   <a:spcPct val="50000"/>
                 </a:spcBef>
               </a:pPr>
-              <a:t>May 3, 2018</a:t>
+              <a:t>May 17, 2018</a:t>
             </a:fld>
             <a:endParaRPr lang="en-US" sz="1100" b="0" dirty="0">
               <a:solidFill>
@@ -8510,7 +8554,7 @@
                   <a:spcPts val="0"/>
                 </a:spcBef>
               </a:pPr>
-              <a:t>May 3, 2018</a:t>
+              <a:t>May 17, 2018</a:t>
             </a:fld>
             <a:endParaRPr lang="en-US" sz="1100" b="0" dirty="0">
               <a:solidFill>
@@ -9947,7 +9991,7 @@
                   <a:spcPct val="50000"/>
                 </a:spcBef>
               </a:pPr>
-              <a:t>May 3, 2018</a:t>
+              <a:t>May 17, 2018</a:t>
             </a:fld>
             <a:endParaRPr lang="en-US" sz="1100" b="0" dirty="0">
               <a:solidFill>
@@ -12848,7 +12892,7 @@
                   <a:spcPts val="0"/>
                 </a:spcBef>
               </a:pPr>
-              <a:t>May 3, 2018</a:t>
+              <a:t>May 17, 2018</a:t>
             </a:fld>
             <a:endParaRPr lang="en-US" sz="1400" b="0" dirty="0">
               <a:solidFill>
@@ -14239,7 +14283,7 @@
                   <a:spcPts val="0"/>
                 </a:spcBef>
               </a:pPr>
-              <a:t>May 3, 2018</a:t>
+              <a:t>May 17, 2018</a:t>
             </a:fld>
             <a:endParaRPr lang="en-US" sz="1400" b="0" dirty="0">
               <a:solidFill>
@@ -15800,7 +15844,7 @@
                   <a:spcPts val="0"/>
                 </a:spcBef>
               </a:pPr>
-              <a:t>May 3, 2018</a:t>
+              <a:t>May 17, 2018</a:t>
             </a:fld>
             <a:endParaRPr lang="en-US" sz="1400" b="0" dirty="0">
               <a:solidFill>
@@ -17222,7 +17266,7 @@
                   <a:spcPts val="0"/>
                 </a:spcBef>
               </a:pPr>
-              <a:t>May 3, 2018</a:t>
+              <a:t>May 17, 2018</a:t>
             </a:fld>
             <a:endParaRPr lang="en-US" sz="1400" b="0" dirty="0">
               <a:solidFill>
@@ -18636,7 +18680,7 @@
                   <a:spcPts val="0"/>
                 </a:spcBef>
               </a:pPr>
-              <a:t>May 3, 2018</a:t>
+              <a:t>May 17, 2018</a:t>
             </a:fld>
             <a:endParaRPr lang="en-US" sz="1400" b="0" dirty="0">
               <a:solidFill>
@@ -20384,7 +20428,7 @@
                   <a:spcPts val="0"/>
                 </a:spcBef>
               </a:pPr>
-              <a:t>May 3, 2018</a:t>
+              <a:t>May 17, 2018</a:t>
             </a:fld>
             <a:endParaRPr lang="en-US" sz="1100" b="0" dirty="0">
               <a:solidFill>
@@ -22700,7 +22744,7 @@
         </p:blipFill>
         <p:spPr>
           <a:xfrm>
-            <a:off x="6775087" y="2746648"/>
+            <a:off x="6523112" y="2843156"/>
             <a:ext cx="7169513" cy="3543657"/>
           </a:xfrm>
           <a:prstGeom prst="rect">
@@ -27731,7 +27775,7 @@
         </p:nvGrpSpPr>
         <p:grpSpPr>
           <a:xfrm>
-            <a:off x="10972231" y="2012953"/>
+            <a:off x="10870381" y="1877938"/>
             <a:ext cx="1501005" cy="1906290"/>
             <a:chOff x="11319076" y="1370238"/>
             <a:chExt cx="1501005" cy="1906290"/>

--- a/Badges/Digital Explorer Badges.pptx
+++ b/Badges/Digital Explorer Badges.pptx
@@ -5,10 +5,10 @@
     <p:sldMasterId id="2147483648" r:id="rId1"/>
   </p:sldMasterIdLst>
   <p:notesMasterIdLst>
-    <p:notesMasterId r:id="rId13"/>
+    <p:notesMasterId r:id="rId14"/>
   </p:notesMasterIdLst>
   <p:handoutMasterIdLst>
-    <p:handoutMasterId r:id="rId14"/>
+    <p:handoutMasterId r:id="rId15"/>
   </p:handoutMasterIdLst>
   <p:sldIdLst>
     <p:sldId id="256" r:id="rId2"/>
@@ -20,8 +20,9 @@
     <p:sldId id="262" r:id="rId8"/>
     <p:sldId id="324" r:id="rId9"/>
     <p:sldId id="322" r:id="rId10"/>
-    <p:sldId id="323" r:id="rId11"/>
-    <p:sldId id="325" r:id="rId12"/>
+    <p:sldId id="326" r:id="rId11"/>
+    <p:sldId id="323" r:id="rId12"/>
+    <p:sldId id="325" r:id="rId13"/>
   </p:sldIdLst>
   <p:sldSz cx="14630400" cy="8229600"/>
   <p:notesSz cx="6858000" cy="9144000"/>
@@ -217,8 +218,8 @@
 <pc:chgInfo xmlns:a="http://schemas.openxmlformats.org/drawingml/2006/main" xmlns:r="http://schemas.openxmlformats.org/officeDocument/2006/relationships" xmlns:ac="http://schemas.microsoft.com/office/drawing/2013/main/command" xmlns:pc="http://schemas.microsoft.com/office/powerpoint/2013/main/command">
   <pc:docChgLst>
     <pc:chgData name="David Stevens" userId="b6815b1ecc207c78" providerId="LiveId" clId="{92F79DC4-295C-419E-998B-5F1C8597ADC1}"/>
-    <pc:docChg chg="modSld">
-      <pc:chgData name="David Stevens" userId="b6815b1ecc207c78" providerId="LiveId" clId="{92F79DC4-295C-419E-998B-5F1C8597ADC1}" dt="2018-05-17T09:38:48.310" v="2" actId="1076"/>
+    <pc:docChg chg="custSel addSld modSld">
+      <pc:chgData name="David Stevens" userId="b6815b1ecc207c78" providerId="LiveId" clId="{92F79DC4-295C-419E-998B-5F1C8597ADC1}" dt="2018-05-22T14:59:55.546" v="60" actId="108"/>
       <pc:docMkLst>
         <pc:docMk/>
       </pc:docMkLst>
@@ -251,6 +252,77 @@
             <ac:grpSpMk id="45" creationId="{631ECF51-9BA7-4585-A80C-4CF7AF0FF284}"/>
           </ac:grpSpMkLst>
         </pc:grpChg>
+      </pc:sldChg>
+      <pc:sldChg chg="addSp delSp modSp add">
+        <pc:chgData name="David Stevens" userId="b6815b1ecc207c78" providerId="LiveId" clId="{92F79DC4-295C-419E-998B-5F1C8597ADC1}" dt="2018-05-22T14:59:55.546" v="60" actId="108"/>
+        <pc:sldMkLst>
+          <pc:docMk/>
+          <pc:sldMk cId="3131760488" sldId="326"/>
+        </pc:sldMkLst>
+        <pc:spChg chg="mod">
+          <ac:chgData name="David Stevens" userId="b6815b1ecc207c78" providerId="LiveId" clId="{92F79DC4-295C-419E-998B-5F1C8597ADC1}" dt="2018-05-22T14:56:18" v="12" actId="20577"/>
+          <ac:spMkLst>
+            <pc:docMk/>
+            <pc:sldMk cId="3131760488" sldId="326"/>
+            <ac:spMk id="2" creationId="{D4B79463-B876-4540-962D-874E4F8EFC74}"/>
+          </ac:spMkLst>
+        </pc:spChg>
+        <pc:spChg chg="add del">
+          <ac:chgData name="David Stevens" userId="b6815b1ecc207c78" providerId="LiveId" clId="{92F79DC4-295C-419E-998B-5F1C8597ADC1}" dt="2018-05-22T14:59:45.275" v="54"/>
+          <ac:spMkLst>
+            <pc:docMk/>
+            <pc:sldMk cId="3131760488" sldId="326"/>
+            <ac:spMk id="5" creationId="{06ED5559-6029-46C8-B642-78EFF76F5EEB}"/>
+          </ac:spMkLst>
+        </pc:spChg>
+        <pc:spChg chg="del">
+          <ac:chgData name="David Stevens" userId="b6815b1ecc207c78" providerId="LiveId" clId="{92F79DC4-295C-419E-998B-5F1C8597ADC1}" dt="2018-05-22T14:56:59.202" v="52" actId="478"/>
+          <ac:spMkLst>
+            <pc:docMk/>
+            <pc:sldMk cId="3131760488" sldId="326"/>
+            <ac:spMk id="29" creationId="{12648762-B3B1-4B14-A6EA-0606C8649845}"/>
+          </ac:spMkLst>
+        </pc:spChg>
+        <pc:spChg chg="mod">
+          <ac:chgData name="David Stevens" userId="b6815b1ecc207c78" providerId="LiveId" clId="{92F79DC4-295C-419E-998B-5F1C8597ADC1}" dt="2018-05-22T14:56:28.867" v="21" actId="20577"/>
+          <ac:spMkLst>
+            <pc:docMk/>
+            <pc:sldMk cId="3131760488" sldId="326"/>
+            <ac:spMk id="30" creationId="{4AC2557D-B9FE-4FE6-9109-8914290121CA}"/>
+          </ac:spMkLst>
+        </pc:spChg>
+        <pc:grpChg chg="del">
+          <ac:chgData name="David Stevens" userId="b6815b1ecc207c78" providerId="LiveId" clId="{92F79DC4-295C-419E-998B-5F1C8597ADC1}" dt="2018-05-22T14:56:59.202" v="52" actId="478"/>
+          <ac:grpSpMkLst>
+            <pc:docMk/>
+            <pc:sldMk cId="3131760488" sldId="326"/>
+            <ac:grpSpMk id="3" creationId="{7CE0A3A5-9D42-475B-B2A1-08245D51F0EA}"/>
+          </ac:grpSpMkLst>
+        </pc:grpChg>
+        <pc:grpChg chg="del">
+          <ac:chgData name="David Stevens" userId="b6815b1ecc207c78" providerId="LiveId" clId="{92F79DC4-295C-419E-998B-5F1C8597ADC1}" dt="2018-05-22T14:56:59.202" v="52" actId="478"/>
+          <ac:grpSpMkLst>
+            <pc:docMk/>
+            <pc:sldMk cId="3131760488" sldId="326"/>
+            <ac:grpSpMk id="4" creationId="{02C690AF-0FF3-46BF-B393-67E1CEFA4768}"/>
+          </ac:grpSpMkLst>
+        </pc:grpChg>
+        <pc:grpChg chg="del">
+          <ac:chgData name="David Stevens" userId="b6815b1ecc207c78" providerId="LiveId" clId="{92F79DC4-295C-419E-998B-5F1C8597ADC1}" dt="2018-05-22T14:56:59.202" v="52" actId="478"/>
+          <ac:grpSpMkLst>
+            <pc:docMk/>
+            <pc:sldMk cId="3131760488" sldId="326"/>
+            <ac:grpSpMk id="25" creationId="{DF99DE16-4AC6-4F50-81E9-03E885DB9C24}"/>
+          </ac:grpSpMkLst>
+        </pc:grpChg>
+        <pc:graphicFrameChg chg="mod modGraphic">
+          <ac:chgData name="David Stevens" userId="b6815b1ecc207c78" providerId="LiveId" clId="{92F79DC4-295C-419E-998B-5F1C8597ADC1}" dt="2018-05-22T14:59:55.546" v="60" actId="108"/>
+          <ac:graphicFrameMkLst>
+            <pc:docMk/>
+            <pc:sldMk cId="3131760488" sldId="326"/>
+            <ac:graphicFrameMk id="14" creationId="{A7BC4D54-A17B-438E-A39A-7FA0A53C2E78}"/>
+          </ac:graphicFrameMkLst>
+        </pc:graphicFrameChg>
       </pc:sldChg>
     </pc:docChg>
   </pc:docChgLst>
@@ -345,7 +417,7 @@
                 <a:latin typeface="Arial"/>
                 <a:cs typeface="Arial"/>
               </a:rPr>
-              <a:t>5/17/2018</a:t>
+              <a:t>5/22/2018</a:t>
             </a:fld>
             <a:endParaRPr lang="en-US">
               <a:latin typeface="Arial"/>
@@ -530,7 +602,7 @@
             <a:fld id="{73B26A0F-F4D6-9B4F-A87B-D8948CDE3BB4}" type="datetimeFigureOut">
               <a:rPr lang="en-US" smtClean="0"/>
               <a:pPr/>
-              <a:t>5/17/2018</a:t>
+              <a:t>5/22/2018</a:t>
             </a:fld>
             <a:endParaRPr lang="en-US"/>
           </a:p>
@@ -2174,7 +2246,7 @@
                   <a:spcPts val="0"/>
                 </a:spcBef>
               </a:pPr>
-              <a:t>May 17, 2018</a:t>
+              <a:t>May 22, 2018</a:t>
             </a:fld>
             <a:endParaRPr lang="en-US" sz="1400" b="0" dirty="0">
               <a:solidFill>
@@ -3977,7 +4049,7 @@
                   <a:spcPct val="50000"/>
                 </a:spcBef>
               </a:pPr>
-              <a:t>May 17, 2018</a:t>
+              <a:t>May 22, 2018</a:t>
             </a:fld>
             <a:endParaRPr lang="en-US" sz="1100" b="0" dirty="0">
               <a:solidFill>
@@ -5730,7 +5802,7 @@
                   <a:spcPct val="50000"/>
                 </a:spcBef>
               </a:pPr>
-              <a:t>May 17, 2018</a:t>
+              <a:t>May 22, 2018</a:t>
             </a:fld>
             <a:endParaRPr lang="en-US" sz="1100" b="0" dirty="0">
               <a:solidFill>
@@ -7201,7 +7273,7 @@
                   <a:spcPct val="50000"/>
                 </a:spcBef>
               </a:pPr>
-              <a:t>May 17, 2018</a:t>
+              <a:t>May 22, 2018</a:t>
             </a:fld>
             <a:endParaRPr lang="en-US" sz="1100" b="0" dirty="0">
               <a:solidFill>
@@ -8554,7 +8626,7 @@
                   <a:spcPts val="0"/>
                 </a:spcBef>
               </a:pPr>
-              <a:t>May 17, 2018</a:t>
+              <a:t>May 22, 2018</a:t>
             </a:fld>
             <a:endParaRPr lang="en-US" sz="1100" b="0" dirty="0">
               <a:solidFill>
@@ -9991,7 +10063,7 @@
                   <a:spcPct val="50000"/>
                 </a:spcBef>
               </a:pPr>
-              <a:t>May 17, 2018</a:t>
+              <a:t>May 22, 2018</a:t>
             </a:fld>
             <a:endParaRPr lang="en-US" sz="1100" b="0" dirty="0">
               <a:solidFill>
@@ -12892,7 +12964,7 @@
                   <a:spcPts val="0"/>
                 </a:spcBef>
               </a:pPr>
-              <a:t>May 17, 2018</a:t>
+              <a:t>May 22, 2018</a:t>
             </a:fld>
             <a:endParaRPr lang="en-US" sz="1400" b="0" dirty="0">
               <a:solidFill>
@@ -14283,7 +14355,7 @@
                   <a:spcPts val="0"/>
                 </a:spcBef>
               </a:pPr>
-              <a:t>May 17, 2018</a:t>
+              <a:t>May 22, 2018</a:t>
             </a:fld>
             <a:endParaRPr lang="en-US" sz="1400" b="0" dirty="0">
               <a:solidFill>
@@ -15844,7 +15916,7 @@
                   <a:spcPts val="0"/>
                 </a:spcBef>
               </a:pPr>
-              <a:t>May 17, 2018</a:t>
+              <a:t>May 22, 2018</a:t>
             </a:fld>
             <a:endParaRPr lang="en-US" sz="1400" b="0" dirty="0">
               <a:solidFill>
@@ -17266,7 +17338,7 @@
                   <a:spcPts val="0"/>
                 </a:spcBef>
               </a:pPr>
-              <a:t>May 17, 2018</a:t>
+              <a:t>May 22, 2018</a:t>
             </a:fld>
             <a:endParaRPr lang="en-US" sz="1400" b="0" dirty="0">
               <a:solidFill>
@@ -18680,7 +18752,7 @@
                   <a:spcPts val="0"/>
                 </a:spcBef>
               </a:pPr>
-              <a:t>May 17, 2018</a:t>
+              <a:t>May 22, 2018</a:t>
             </a:fld>
             <a:endParaRPr lang="en-US" sz="1400" b="0" dirty="0">
               <a:solidFill>
@@ -20428,7 +20500,7 @@
                   <a:spcPts val="0"/>
                 </a:spcBef>
               </a:pPr>
-              <a:t>May 17, 2018</a:t>
+              <a:t>May 22, 2018</a:t>
             </a:fld>
             <a:endParaRPr lang="en-US" sz="1100" b="0" dirty="0">
               <a:solidFill>
@@ -21096,6 +21168,619 @@
 </file>
 
 <file path=ppt/slides/slide10.xml><?xml version="1.0" encoding="utf-8"?>
+<p:sld xmlns:a="http://schemas.openxmlformats.org/drawingml/2006/main" xmlns:r="http://schemas.openxmlformats.org/officeDocument/2006/relationships" xmlns:p="http://schemas.openxmlformats.org/presentationml/2006/main">
+  <p:cSld>
+    <p:spTree>
+      <p:nvGrpSpPr>
+        <p:cNvPr id="1" name=""/>
+        <p:cNvGrpSpPr/>
+        <p:nvPr/>
+      </p:nvGrpSpPr>
+      <p:grpSpPr>
+        <a:xfrm>
+          <a:off x="0" y="0"/>
+          <a:ext cx="0" cy="0"/>
+          <a:chOff x="0" y="0"/>
+          <a:chExt cx="0" cy="0"/>
+        </a:xfrm>
+      </p:grpSpPr>
+      <p:sp>
+        <p:nvSpPr>
+          <p:cNvPr id="2" name="Title 1">
+            <a:extLst>
+              <a:ext uri="{FF2B5EF4-FFF2-40B4-BE49-F238E27FC236}">
+                <a16:creationId xmlns:a16="http://schemas.microsoft.com/office/drawing/2014/main" id="{D4B79463-B876-4540-962D-874E4F8EFC74}"/>
+              </a:ext>
+            </a:extLst>
+          </p:cNvPr>
+          <p:cNvSpPr>
+            <a:spLocks noGrp="1"/>
+          </p:cNvSpPr>
+          <p:nvPr>
+            <p:ph type="title"/>
+          </p:nvPr>
+        </p:nvSpPr>
+        <p:spPr/>
+        <p:txBody>
+          <a:bodyPr/>
+          <a:lstStyle/>
+          <a:p>
+            <a:r>
+              <a:rPr lang="en-GB" dirty="0"/>
+              <a:t>Digital Explorer Badge : Workspace</a:t>
+            </a:r>
+          </a:p>
+        </p:txBody>
+      </p:sp>
+      <p:graphicFrame>
+        <p:nvGraphicFramePr>
+          <p:cNvPr id="14" name="Table 13">
+            <a:extLst>
+              <a:ext uri="{FF2B5EF4-FFF2-40B4-BE49-F238E27FC236}">
+                <a16:creationId xmlns:a16="http://schemas.microsoft.com/office/drawing/2014/main" id="{A7BC4D54-A17B-438E-A39A-7FA0A53C2E78}"/>
+              </a:ext>
+            </a:extLst>
+          </p:cNvPr>
+          <p:cNvGraphicFramePr>
+            <a:graphicFrameLocks noGrp="1"/>
+          </p:cNvGraphicFramePr>
+          <p:nvPr>
+            <p:extLst>
+              <p:ext uri="{D42A27DB-BD31-4B8C-83A1-F6EECF244321}">
+                <p14:modId xmlns:p14="http://schemas.microsoft.com/office/powerpoint/2010/main" val="919460882"/>
+              </p:ext>
+            </p:extLst>
+          </p:nvPr>
+        </p:nvGraphicFramePr>
+        <p:xfrm>
+          <a:off x="683110" y="2082517"/>
+          <a:ext cx="13059640" cy="1097280"/>
+        </p:xfrm>
+        <a:graphic>
+          <a:graphicData uri="http://schemas.openxmlformats.org/drawingml/2006/table">
+            <a:tbl>
+              <a:tblPr firstRow="1" bandRow="1">
+                <a:tableStyleId>{45BD5076-5073-49C7-9E08-65982F3C9860}</a:tableStyleId>
+              </a:tblPr>
+              <a:tblGrid>
+                <a:gridCol w="3463738">
+                  <a:extLst>
+                    <a:ext uri="{9D8B030D-6E8A-4147-A177-3AD203B41FA5}">
+                      <a16:colId xmlns:a16="http://schemas.microsoft.com/office/drawing/2014/main" val="312328726"/>
+                    </a:ext>
+                  </a:extLst>
+                </a:gridCol>
+                <a:gridCol w="9595902">
+                  <a:extLst>
+                    <a:ext uri="{9D8B030D-6E8A-4147-A177-3AD203B41FA5}">
+                      <a16:colId xmlns:a16="http://schemas.microsoft.com/office/drawing/2014/main" val="4126367374"/>
+                    </a:ext>
+                  </a:extLst>
+                </a:gridCol>
+              </a:tblGrid>
+              <a:tr h="0">
+                <a:tc>
+                  <a:txBody>
+                    <a:bodyPr/>
+                    <a:lstStyle/>
+                    <a:p>
+                      <a:pPr marL="0" marR="0" lvl="0" indent="0" algn="l" defTabSz="1463040" rtl="0" eaLnBrk="1" fontAlgn="auto" latinLnBrk="0" hangingPunct="1">
+                        <a:lnSpc>
+                          <a:spcPct val="100000"/>
+                        </a:lnSpc>
+                        <a:spcBef>
+                          <a:spcPts val="0"/>
+                        </a:spcBef>
+                        <a:spcAft>
+                          <a:spcPts val="0"/>
+                        </a:spcAft>
+                        <a:buClrTx/>
+                        <a:buSzTx/>
+                        <a:buFontTx/>
+                        <a:buNone/>
+                        <a:tabLst/>
+                        <a:defRPr/>
+                      </a:pPr>
+                      <a:endParaRPr lang="en-US" sz="1800" b="1" dirty="0">
+                        <a:solidFill>
+                          <a:schemeClr val="tx1"/>
+                        </a:solidFill>
+                      </a:endParaRPr>
+                    </a:p>
+                  </a:txBody>
+                  <a:tcPr>
+                    <a:lnL w="12700" cap="flat" cmpd="sng" algn="ctr">
+                      <a:solidFill>
+                        <a:schemeClr val="tx1"/>
+                      </a:solidFill>
+                      <a:prstDash val="solid"/>
+                      <a:round/>
+                      <a:headEnd type="none" w="med" len="med"/>
+                      <a:tailEnd type="none" w="med" len="med"/>
+                    </a:lnL>
+                    <a:lnR w="12700" cap="flat" cmpd="sng" algn="ctr">
+                      <a:solidFill>
+                        <a:schemeClr val="tx1"/>
+                      </a:solidFill>
+                      <a:prstDash val="solid"/>
+                      <a:round/>
+                      <a:headEnd type="none" w="med" len="med"/>
+                      <a:tailEnd type="none" w="med" len="med"/>
+                    </a:lnR>
+                    <a:lnT w="12700" cap="flat" cmpd="sng" algn="ctr">
+                      <a:solidFill>
+                        <a:schemeClr val="tx1"/>
+                      </a:solidFill>
+                      <a:prstDash val="solid"/>
+                      <a:round/>
+                      <a:headEnd type="none" w="med" len="med"/>
+                      <a:tailEnd type="none" w="med" len="med"/>
+                    </a:lnT>
+                    <a:lnB w="12700" cap="flat" cmpd="sng" algn="ctr">
+                      <a:solidFill>
+                        <a:schemeClr val="tx1"/>
+                      </a:solidFill>
+                      <a:prstDash val="solid"/>
+                      <a:round/>
+                      <a:headEnd type="none" w="med" len="med"/>
+                      <a:tailEnd type="none" w="med" len="med"/>
+                    </a:lnB>
+                    <a:lnTlToBr w="12700" cmpd="sng">
+                      <a:noFill/>
+                      <a:prstDash val="solid"/>
+                    </a:lnTlToBr>
+                    <a:lnBlToTr w="12700" cmpd="sng">
+                      <a:noFill/>
+                      <a:prstDash val="solid"/>
+                    </a:lnBlToTr>
+                  </a:tcPr>
+                </a:tc>
+                <a:tc>
+                  <a:txBody>
+                    <a:bodyPr/>
+                    <a:lstStyle/>
+                    <a:p>
+                      <a:endParaRPr lang="en-GB" dirty="0"/>
+                    </a:p>
+                  </a:txBody>
+                  <a:tcPr>
+                    <a:lnL w="12700" cap="flat" cmpd="sng" algn="ctr">
+                      <a:solidFill>
+                        <a:schemeClr val="tx1"/>
+                      </a:solidFill>
+                      <a:prstDash val="solid"/>
+                      <a:round/>
+                      <a:headEnd type="none" w="med" len="med"/>
+                      <a:tailEnd type="none" w="med" len="med"/>
+                    </a:lnL>
+                    <a:lnR w="12700" cap="flat" cmpd="sng" algn="ctr">
+                      <a:solidFill>
+                        <a:schemeClr val="tx1"/>
+                      </a:solidFill>
+                      <a:prstDash val="solid"/>
+                      <a:round/>
+                      <a:headEnd type="none" w="med" len="med"/>
+                      <a:tailEnd type="none" w="med" len="med"/>
+                    </a:lnR>
+                    <a:lnT w="12700" cap="flat" cmpd="sng" algn="ctr">
+                      <a:solidFill>
+                        <a:schemeClr val="tx1"/>
+                      </a:solidFill>
+                      <a:prstDash val="solid"/>
+                      <a:round/>
+                      <a:headEnd type="none" w="med" len="med"/>
+                      <a:tailEnd type="none" w="med" len="med"/>
+                    </a:lnT>
+                    <a:lnB w="12700" cap="flat" cmpd="sng" algn="ctr">
+                      <a:solidFill>
+                        <a:schemeClr val="tx1"/>
+                      </a:solidFill>
+                      <a:prstDash val="solid"/>
+                      <a:round/>
+                      <a:headEnd type="none" w="med" len="med"/>
+                      <a:tailEnd type="none" w="med" len="med"/>
+                    </a:lnB>
+                    <a:lnTlToBr w="12700" cmpd="sng">
+                      <a:noFill/>
+                      <a:prstDash val="solid"/>
+                    </a:lnTlToBr>
+                    <a:lnBlToTr w="12700" cmpd="sng">
+                      <a:noFill/>
+                      <a:prstDash val="solid"/>
+                    </a:lnBlToTr>
+                  </a:tcPr>
+                </a:tc>
+                <a:extLst>
+                  <a:ext uri="{0D108BD9-81ED-4DB2-BD59-A6C34878D82A}">
+                    <a16:rowId xmlns:a16="http://schemas.microsoft.com/office/drawing/2014/main" val="2844752609"/>
+                  </a:ext>
+                </a:extLst>
+              </a:tr>
+              <a:tr h="0">
+                <a:tc>
+                  <a:txBody>
+                    <a:bodyPr/>
+                    <a:lstStyle/>
+                    <a:p>
+                      <a:pPr marL="0" marR="0" lvl="0" indent="0" algn="l" defTabSz="1463040" rtl="0" eaLnBrk="1" fontAlgn="auto" latinLnBrk="0" hangingPunct="1">
+                        <a:lnSpc>
+                          <a:spcPct val="100000"/>
+                        </a:lnSpc>
+                        <a:spcBef>
+                          <a:spcPts val="0"/>
+                        </a:spcBef>
+                        <a:spcAft>
+                          <a:spcPts val="0"/>
+                        </a:spcAft>
+                        <a:buClrTx/>
+                        <a:buSzTx/>
+                        <a:buFontTx/>
+                        <a:buNone/>
+                        <a:tabLst/>
+                        <a:defRPr/>
+                      </a:pPr>
+                      <a:r>
+                        <a:rPr lang="en-US" sz="1800" b="1" dirty="0">
+                          <a:solidFill>
+                            <a:schemeClr val="tx1"/>
+                          </a:solidFill>
+                        </a:rPr>
+                        <a:t>Onboard</a:t>
+                      </a:r>
+                    </a:p>
+                  </a:txBody>
+                  <a:tcPr>
+                    <a:lnL w="12700" cap="flat" cmpd="sng" algn="ctr">
+                      <a:solidFill>
+                        <a:schemeClr val="tx1"/>
+                      </a:solidFill>
+                      <a:prstDash val="solid"/>
+                      <a:round/>
+                      <a:headEnd type="none" w="med" len="med"/>
+                      <a:tailEnd type="none" w="med" len="med"/>
+                    </a:lnL>
+                    <a:lnR w="12700" cap="flat" cmpd="sng" algn="ctr">
+                      <a:solidFill>
+                        <a:schemeClr val="tx1"/>
+                      </a:solidFill>
+                      <a:prstDash val="solid"/>
+                      <a:round/>
+                      <a:headEnd type="none" w="med" len="med"/>
+                      <a:tailEnd type="none" w="med" len="med"/>
+                    </a:lnR>
+                    <a:lnT w="12700" cap="flat" cmpd="sng" algn="ctr">
+                      <a:solidFill>
+                        <a:schemeClr val="tx1"/>
+                      </a:solidFill>
+                      <a:prstDash val="solid"/>
+                      <a:round/>
+                      <a:headEnd type="none" w="med" len="med"/>
+                      <a:tailEnd type="none" w="med" len="med"/>
+                    </a:lnT>
+                    <a:lnB w="12700" cap="flat" cmpd="sng" algn="ctr">
+                      <a:solidFill>
+                        <a:schemeClr val="tx1"/>
+                      </a:solidFill>
+                      <a:prstDash val="solid"/>
+                      <a:round/>
+                      <a:headEnd type="none" w="med" len="med"/>
+                      <a:tailEnd type="none" w="med" len="med"/>
+                    </a:lnB>
+                    <a:lnTlToBr w="12700" cmpd="sng">
+                      <a:noFill/>
+                      <a:prstDash val="solid"/>
+                    </a:lnTlToBr>
+                    <a:lnBlToTr w="12700" cmpd="sng">
+                      <a:noFill/>
+                      <a:prstDash val="solid"/>
+                    </a:lnBlToTr>
+                  </a:tcPr>
+                </a:tc>
+                <a:tc>
+                  <a:txBody>
+                    <a:bodyPr/>
+                    <a:lstStyle/>
+                    <a:p>
+                      <a:r>
+                        <a:rPr lang="en-US" sz="1800" dirty="0">
+                          <a:solidFill>
+                            <a:schemeClr val="tx1"/>
+                          </a:solidFill>
+                        </a:rPr>
+                        <a:t>Create your first workspace</a:t>
+                      </a:r>
+                    </a:p>
+                  </a:txBody>
+                  <a:tcPr>
+                    <a:lnL w="12700" cap="flat" cmpd="sng" algn="ctr">
+                      <a:solidFill>
+                        <a:schemeClr val="tx1"/>
+                      </a:solidFill>
+                      <a:prstDash val="solid"/>
+                      <a:round/>
+                      <a:headEnd type="none" w="med" len="med"/>
+                      <a:tailEnd type="none" w="med" len="med"/>
+                    </a:lnL>
+                    <a:lnR w="12700" cap="flat" cmpd="sng" algn="ctr">
+                      <a:solidFill>
+                        <a:schemeClr val="tx1"/>
+                      </a:solidFill>
+                      <a:prstDash val="solid"/>
+                      <a:round/>
+                      <a:headEnd type="none" w="med" len="med"/>
+                      <a:tailEnd type="none" w="med" len="med"/>
+                    </a:lnR>
+                    <a:lnT w="12700" cap="flat" cmpd="sng" algn="ctr">
+                      <a:solidFill>
+                        <a:schemeClr val="tx1"/>
+                      </a:solidFill>
+                      <a:prstDash val="solid"/>
+                      <a:round/>
+                      <a:headEnd type="none" w="med" len="med"/>
+                      <a:tailEnd type="none" w="med" len="med"/>
+                    </a:lnT>
+                    <a:lnB w="12700" cap="flat" cmpd="sng" algn="ctr">
+                      <a:solidFill>
+                        <a:schemeClr val="tx1"/>
+                      </a:solidFill>
+                      <a:prstDash val="solid"/>
+                      <a:round/>
+                      <a:headEnd type="none" w="med" len="med"/>
+                      <a:tailEnd type="none" w="med" len="med"/>
+                    </a:lnB>
+                    <a:lnTlToBr w="12700" cmpd="sng">
+                      <a:noFill/>
+                      <a:prstDash val="solid"/>
+                    </a:lnTlToBr>
+                    <a:lnBlToTr w="12700" cmpd="sng">
+                      <a:noFill/>
+                      <a:prstDash val="solid"/>
+                    </a:lnBlToTr>
+                  </a:tcPr>
+                </a:tc>
+                <a:extLst>
+                  <a:ext uri="{0D108BD9-81ED-4DB2-BD59-A6C34878D82A}">
+                    <a16:rowId xmlns:a16="http://schemas.microsoft.com/office/drawing/2014/main" val="3792117011"/>
+                  </a:ext>
+                </a:extLst>
+              </a:tr>
+              <a:tr h="0">
+                <a:tc>
+                  <a:txBody>
+                    <a:bodyPr/>
+                    <a:lstStyle/>
+                    <a:p>
+                      <a:pPr marL="0" marR="0" lvl="0" indent="0" algn="l" defTabSz="1463040" rtl="0" eaLnBrk="1" fontAlgn="auto" latinLnBrk="0" hangingPunct="1">
+                        <a:lnSpc>
+                          <a:spcPct val="100000"/>
+                        </a:lnSpc>
+                        <a:spcBef>
+                          <a:spcPts val="0"/>
+                        </a:spcBef>
+                        <a:spcAft>
+                          <a:spcPts val="0"/>
+                        </a:spcAft>
+                        <a:buClrTx/>
+                        <a:buSzTx/>
+                        <a:buFontTx/>
+                        <a:buNone/>
+                        <a:tabLst/>
+                        <a:defRPr/>
+                      </a:pPr>
+                      <a:r>
+                        <a:rPr lang="en-GB" sz="1800" b="1" kern="1200" dirty="0">
+                          <a:solidFill>
+                            <a:schemeClr val="tx1"/>
+                          </a:solidFill>
+                          <a:latin typeface="+mn-lt"/>
+                          <a:ea typeface="+mn-ea"/>
+                          <a:cs typeface="+mn-cs"/>
+                        </a:rPr>
+                        <a:t>Membership</a:t>
+                      </a:r>
+                    </a:p>
+                  </a:txBody>
+                  <a:tcPr>
+                    <a:lnL w="12700" cap="flat" cmpd="sng" algn="ctr">
+                      <a:solidFill>
+                        <a:schemeClr val="tx1"/>
+                      </a:solidFill>
+                      <a:prstDash val="solid"/>
+                      <a:round/>
+                      <a:headEnd type="none" w="med" len="med"/>
+                      <a:tailEnd type="none" w="med" len="med"/>
+                    </a:lnL>
+                    <a:lnR w="12700" cap="flat" cmpd="sng" algn="ctr">
+                      <a:solidFill>
+                        <a:schemeClr val="tx1"/>
+                      </a:solidFill>
+                      <a:prstDash val="solid"/>
+                      <a:round/>
+                      <a:headEnd type="none" w="med" len="med"/>
+                      <a:tailEnd type="none" w="med" len="med"/>
+                    </a:lnR>
+                    <a:lnT w="12700" cap="flat" cmpd="sng" algn="ctr">
+                      <a:solidFill>
+                        <a:schemeClr val="tx1"/>
+                      </a:solidFill>
+                      <a:prstDash val="solid"/>
+                      <a:round/>
+                      <a:headEnd type="none" w="med" len="med"/>
+                      <a:tailEnd type="none" w="med" len="med"/>
+                    </a:lnT>
+                    <a:lnB w="12700" cap="flat" cmpd="sng" algn="ctr">
+                      <a:solidFill>
+                        <a:schemeClr val="tx1"/>
+                      </a:solidFill>
+                      <a:prstDash val="solid"/>
+                      <a:round/>
+                      <a:headEnd type="none" w="med" len="med"/>
+                      <a:tailEnd type="none" w="med" len="med"/>
+                    </a:lnB>
+                    <a:lnTlToBr w="12700" cmpd="sng">
+                      <a:noFill/>
+                      <a:prstDash val="solid"/>
+                    </a:lnTlToBr>
+                    <a:lnBlToTr w="12700" cmpd="sng">
+                      <a:noFill/>
+                      <a:prstDash val="solid"/>
+                    </a:lnBlToTr>
+                  </a:tcPr>
+                </a:tc>
+                <a:tc>
+                  <a:txBody>
+                    <a:bodyPr/>
+                    <a:lstStyle/>
+                    <a:p>
+                      <a:pPr marL="0" marR="0" lvl="0" indent="0" algn="l" defTabSz="1463040" rtl="0" eaLnBrk="1" fontAlgn="auto" latinLnBrk="0" hangingPunct="1">
+                        <a:lnSpc>
+                          <a:spcPct val="100000"/>
+                        </a:lnSpc>
+                        <a:spcBef>
+                          <a:spcPts val="0"/>
+                        </a:spcBef>
+                        <a:spcAft>
+                          <a:spcPts val="0"/>
+                        </a:spcAft>
+                        <a:buClrTx/>
+                        <a:buSzTx/>
+                        <a:buFontTx/>
+                        <a:buNone/>
+                        <a:tabLst/>
+                        <a:defRPr/>
+                      </a:pPr>
+                      <a:r>
+                        <a:rPr lang="en-GB" sz="1800" b="0" kern="1200" dirty="0">
+                          <a:solidFill>
+                            <a:srgbClr val="000000"/>
+                          </a:solidFill>
+                          <a:effectLst/>
+                          <a:latin typeface="+mn-lt"/>
+                          <a:ea typeface="+mn-ea"/>
+                          <a:cs typeface="+mn-cs"/>
+                        </a:rPr>
+                        <a:t>added as a member of an existing workspace</a:t>
+                      </a:r>
+                    </a:p>
+                  </a:txBody>
+                  <a:tcPr>
+                    <a:lnL w="12700" cap="flat" cmpd="sng" algn="ctr">
+                      <a:solidFill>
+                        <a:schemeClr val="tx1"/>
+                      </a:solidFill>
+                      <a:prstDash val="solid"/>
+                      <a:round/>
+                      <a:headEnd type="none" w="med" len="med"/>
+                      <a:tailEnd type="none" w="med" len="med"/>
+                    </a:lnL>
+                    <a:lnR w="12700" cap="flat" cmpd="sng" algn="ctr">
+                      <a:solidFill>
+                        <a:schemeClr val="tx1"/>
+                      </a:solidFill>
+                      <a:prstDash val="solid"/>
+                      <a:round/>
+                      <a:headEnd type="none" w="med" len="med"/>
+                      <a:tailEnd type="none" w="med" len="med"/>
+                    </a:lnR>
+                    <a:lnT w="12700" cap="flat" cmpd="sng" algn="ctr">
+                      <a:solidFill>
+                        <a:schemeClr val="tx1"/>
+                      </a:solidFill>
+                      <a:prstDash val="solid"/>
+                      <a:round/>
+                      <a:headEnd type="none" w="med" len="med"/>
+                      <a:tailEnd type="none" w="med" len="med"/>
+                    </a:lnT>
+                    <a:lnB w="12700" cap="flat" cmpd="sng" algn="ctr">
+                      <a:solidFill>
+                        <a:schemeClr val="tx1"/>
+                      </a:solidFill>
+                      <a:prstDash val="solid"/>
+                      <a:round/>
+                      <a:headEnd type="none" w="med" len="med"/>
+                      <a:tailEnd type="none" w="med" len="med"/>
+                    </a:lnB>
+                    <a:lnTlToBr w="12700" cmpd="sng">
+                      <a:noFill/>
+                      <a:prstDash val="solid"/>
+                    </a:lnTlToBr>
+                    <a:lnBlToTr w="12700" cmpd="sng">
+                      <a:noFill/>
+                      <a:prstDash val="solid"/>
+                    </a:lnBlToTr>
+                  </a:tcPr>
+                </a:tc>
+                <a:extLst>
+                  <a:ext uri="{0D108BD9-81ED-4DB2-BD59-A6C34878D82A}">
+                    <a16:rowId xmlns:a16="http://schemas.microsoft.com/office/drawing/2014/main" val="2350744288"/>
+                  </a:ext>
+                </a:extLst>
+              </a:tr>
+            </a:tbl>
+          </a:graphicData>
+        </a:graphic>
+      </p:graphicFrame>
+      <p:sp>
+        <p:nvSpPr>
+          <p:cNvPr id="30" name="TextBox 29">
+            <a:extLst>
+              <a:ext uri="{FF2B5EF4-FFF2-40B4-BE49-F238E27FC236}">
+                <a16:creationId xmlns:a16="http://schemas.microsoft.com/office/drawing/2014/main" id="{4AC2557D-B9FE-4FE6-9109-8914290121CA}"/>
+              </a:ext>
+            </a:extLst>
+          </p:cNvPr>
+          <p:cNvSpPr txBox="1"/>
+          <p:nvPr/>
+        </p:nvSpPr>
+        <p:spPr>
+          <a:xfrm>
+            <a:off x="754046" y="1444921"/>
+            <a:ext cx="10315644" cy="535531"/>
+          </a:xfrm>
+          <a:prstGeom prst="rect">
+            <a:avLst/>
+          </a:prstGeom>
+          <a:noFill/>
+        </p:spPr>
+        <p:txBody>
+          <a:bodyPr wrap="none" rtlCol="0">
+            <a:spAutoFit/>
+          </a:bodyPr>
+          <a:lstStyle/>
+          <a:p>
+            <a:r>
+              <a:rPr lang="en-GB" dirty="0"/>
+              <a:t>Calculated based on the content within the workspace module</a:t>
+            </a:r>
+          </a:p>
+        </p:txBody>
+      </p:sp>
+    </p:spTree>
+    <p:extLst>
+      <p:ext uri="{BB962C8B-B14F-4D97-AF65-F5344CB8AC3E}">
+        <p14:creationId xmlns:p14="http://schemas.microsoft.com/office/powerpoint/2010/main" val="3131760488"/>
+      </p:ext>
+    </p:extLst>
+  </p:cSld>
+  <p:clrMapOvr>
+    <a:masterClrMapping/>
+  </p:clrMapOvr>
+  <mc:AlternateContent xmlns:mc="http://schemas.openxmlformats.org/markup-compatibility/2006" xmlns:p14="http://schemas.microsoft.com/office/powerpoint/2010/main">
+    <mc:Choice Requires="p14">
+      <p:transition spd="med" p14:dur="700">
+        <p:fade/>
+      </p:transition>
+    </mc:Choice>
+    <mc:Fallback xmlns="">
+      <p:transition spd="med">
+        <p:fade/>
+      </p:transition>
+    </mc:Fallback>
+  </mc:AlternateContent>
+</p:sld>
+</file>
+
+<file path=ppt/slides/slide11.xml><?xml version="1.0" encoding="utf-8"?>
 <p:sld xmlns:a="http://schemas.openxmlformats.org/drawingml/2006/main" xmlns:r="http://schemas.openxmlformats.org/officeDocument/2006/relationships" xmlns:p="http://schemas.openxmlformats.org/presentationml/2006/main">
   <p:cSld>
     <p:spTree>
@@ -22501,7 +23186,7 @@
 </p:sld>
 </file>
 
-<file path=ppt/slides/slide11.xml><?xml version="1.0" encoding="utf-8"?>
+<file path=ppt/slides/slide12.xml><?xml version="1.0" encoding="utf-8"?>
 <p:sld xmlns:a="http://schemas.openxmlformats.org/drawingml/2006/main" xmlns:r="http://schemas.openxmlformats.org/officeDocument/2006/relationships" xmlns:p="http://schemas.openxmlformats.org/presentationml/2006/main">
   <p:cSld>
     <p:spTree>
